--- a/Starostik_JointGenomicsMeeting_190124.pptx
+++ b/Starostik_JointGenomicsMeeting_190124.pptx
@@ -255,7 +255,7 @@
           <a:p>
             <a:fld id="{5DF854D0-7267-B04F-A6AC-A22815CDDF57}" type="datetimeFigureOut">
               <a:rPr lang="en-US" smtClean="0"/>
-              <a:t>1/23/19</a:t>
+              <a:t>1/25/19</a:t>
             </a:fld>
             <a:endParaRPr lang="en-US"/>
           </a:p>
@@ -432,7 +432,7 @@
           <a:p>
             <a:fld id="{D88F49F9-C585-C840-ACDB-1C02B59D36E1}" type="datetimeFigureOut">
               <a:rPr lang="en-US" smtClean="0"/>
-              <a:t>1/23/19</a:t>
+              <a:t>1/25/19</a:t>
             </a:fld>
             <a:endParaRPr lang="en-US"/>
           </a:p>
@@ -770,7 +770,7 @@
                 <a:ea typeface="+mn-ea"/>
                 <a:cs typeface="+mn-cs"/>
               </a:rPr>
-              <a:t>My rotation was in the McCoy lab, and I applied computational methods to single-cell RNA-seq data in order to detect and better understand chromosomal abnormalities in early human embryonic development.</a:t>
+              <a:t>My name is Margaret, and I am a first-year graduate student in the Cell, Molecular, Developmental Biology, and Biophysics Program over on Homewood campus. Today I will be presenting the project that I worked on during my rotation in Rajiv McCoy’s lab in the Department of Biology. I applied computational methods to single-cell RNA-seq data in order to detect and better understand chromosomal abnormalities in early human embryonic development.</a:t>
             </a:r>
           </a:p>
         </p:txBody>
@@ -855,9 +855,34 @@
           <a:bodyPr/>
           <a:lstStyle/>
           <a:p>
+            <a:pPr marL="0" marR="0" lvl="0" indent="0" algn="l" defTabSz="914400" rtl="0" eaLnBrk="1" fontAlgn="auto" latinLnBrk="0" hangingPunct="1">
+              <a:lnSpc>
+                <a:spcPct val="100000"/>
+              </a:lnSpc>
+              <a:spcBef>
+                <a:spcPts val="0"/>
+              </a:spcBef>
+              <a:spcAft>
+                <a:spcPts val="0"/>
+              </a:spcAft>
+              <a:buClrTx/>
+              <a:buSzTx/>
+              <a:buFontTx/>
+              <a:buNone/>
+              <a:tabLst/>
+              <a:defRPr/>
+            </a:pPr>
             <a:r>
-              <a:rPr lang="en-US" dirty="0"/>
-              <a:t>I validated the aneuploidy detection software on two datasets, one that performed well and one that performed poorly due to high variability in gene expression. On the right, I plotted our scRNA-seq across all embryonic stages and cell lineages. The data look like the one that performed well, so we predicted that our analysis should work well.</a:t>
+              <a:rPr lang="en-US" sz="1200" kern="1200" dirty="0">
+                <a:solidFill>
+                  <a:schemeClr val="tx1"/>
+                </a:solidFill>
+                <a:effectLst/>
+                <a:latin typeface="+mn-lt"/>
+                <a:ea typeface="+mn-ea"/>
+                <a:cs typeface="+mn-cs"/>
+              </a:rPr>
+              <a:t>On the right, I plotted our scRNA-seq data across all embryonic stages and cell lineages. Our data look like the one that performed well, so we predicted that our analysis should work.</a:t>
             </a:r>
           </a:p>
         </p:txBody>
@@ -942,17 +967,34 @@
           <a:bodyPr/>
           <a:lstStyle/>
           <a:p>
+            <a:pPr marL="0" marR="0" lvl="0" indent="0" algn="l" defTabSz="914400" rtl="0" eaLnBrk="1" fontAlgn="auto" latinLnBrk="0" hangingPunct="1">
+              <a:lnSpc>
+                <a:spcPct val="100000"/>
+              </a:lnSpc>
+              <a:spcBef>
+                <a:spcPts val="0"/>
+              </a:spcBef>
+              <a:spcAft>
+                <a:spcPts val="0"/>
+              </a:spcAft>
+              <a:buClrTx/>
+              <a:buSzTx/>
+              <a:buFontTx/>
+              <a:buNone/>
+              <a:tabLst/>
+              <a:defRPr/>
+            </a:pPr>
             <a:r>
-              <a:rPr lang="en-US" dirty="0"/>
-              <a:t>T-SNE analysis was performed since cell lineages were inferred by gene expression signatures and </a:t>
-            </a:r>
-            <a:r>
-              <a:rPr lang="en-US" dirty="0" err="1"/>
-              <a:t>tSNE</a:t>
-            </a:r>
-            <a:r>
-              <a:rPr lang="en-US" dirty="0"/>
-              <a:t> plots, and since data substructure plays an important role in correctly identifying aneuploidies. If data substructure is not taken into account the aneuploidy detection tool would performed differential expression due to differences in cell type rather than perform aneuploidy detection. Based on almost 3,000 highly expressed genes, you can observe stage-specific clusters and different cell lineages in this plot.</a:t>
+              <a:rPr lang="en-US" sz="1200" kern="1200" dirty="0">
+                <a:solidFill>
+                  <a:schemeClr val="tx1"/>
+                </a:solidFill>
+                <a:effectLst/>
+                <a:latin typeface="+mn-lt"/>
+                <a:ea typeface="+mn-ea"/>
+                <a:cs typeface="+mn-cs"/>
+              </a:rPr>
+              <a:t>t-SNE analysis was performed since cell lineages were inferred by this method, and since data substructure plays an critical role in correctly identifying aneuploidies. If data substructure is not taken into account, the chromosome scores would be driven by differentially expressed genes rather than aneuploidy. Based on almost 3,000 highly expressed genes, we observed stage-specific clusters and different cell lineages in this plot.</a:t>
             </a:r>
           </a:p>
         </p:txBody>
@@ -1417,7 +1459,35 @@
           <a:bodyPr/>
           <a:lstStyle/>
           <a:p>
-            <a:endParaRPr lang="en-US" dirty="0"/>
+            <a:pPr marL="0" marR="0" lvl="0" indent="0" algn="l" defTabSz="914400" rtl="0" eaLnBrk="1" fontAlgn="auto" latinLnBrk="0" hangingPunct="1">
+              <a:lnSpc>
+                <a:spcPct val="100000"/>
+              </a:lnSpc>
+              <a:spcBef>
+                <a:spcPts val="0"/>
+              </a:spcBef>
+              <a:spcAft>
+                <a:spcPts val="0"/>
+              </a:spcAft>
+              <a:buClrTx/>
+              <a:buSzTx/>
+              <a:buFontTx/>
+              <a:buNone/>
+              <a:tabLst/>
+              <a:defRPr/>
+            </a:pPr>
+            <a:r>
+              <a:rPr lang="en-US" sz="1200" kern="1200" dirty="0">
+                <a:solidFill>
+                  <a:schemeClr val="tx1"/>
+                </a:solidFill>
+                <a:effectLst/>
+                <a:latin typeface="+mn-lt"/>
+                <a:ea typeface="+mn-ea"/>
+                <a:cs typeface="+mn-cs"/>
+              </a:rPr>
+              <a:t>The aneuploidy detection tool outputs 3 performance metrics based on comparisons to the genotype-and transcript dataset that performed well. The metrics include: a gene-wise variability score, that total number of highly expressed genes, and fraction of zero counts observed. For good quality, the gene-wise variability score should be low, the total number of highly expressed genes should be high, and the fraction of zero counts observed should be low. As shown in the figure, most of the analyses we ran yielded good performance metrics.</a:t>
+            </a:r>
           </a:p>
         </p:txBody>
       </p:sp>
@@ -1502,39 +1572,78 @@
           <a:lstStyle/>
           <a:p>
             <a:r>
-              <a:rPr lang="en-US" dirty="0"/>
-              <a:t>The aneuploidy test detected both simple and complex chromosomal aberrations. For the purposes of this talk, I will be showing two examples.</a:t>
+              <a:rPr lang="en-US" sz="1200" kern="1200" dirty="0">
+                <a:solidFill>
+                  <a:schemeClr val="tx1"/>
+                </a:solidFill>
+                <a:effectLst/>
+                <a:latin typeface="+mn-lt"/>
+                <a:ea typeface="+mn-ea"/>
+                <a:cs typeface="+mn-cs"/>
+              </a:rPr>
+              <a:t>The aneuploidy test detected both simple and complex chromosomal aberrations. For the purposes of this talk, I will be showing two examples that show the range of aneuploidies.</a:t>
             </a:r>
           </a:p>
           <a:p>
             <a:r>
-              <a:rPr lang="en-US" dirty="0"/>
-              <a:t>In this heat map, blue, grey, and red represent monosomy, </a:t>
+              <a:rPr lang="en-US" sz="1200" kern="1200" dirty="0">
+                <a:solidFill>
+                  <a:schemeClr val="tx1"/>
+                </a:solidFill>
+                <a:effectLst/>
+                <a:latin typeface="+mn-lt"/>
+                <a:ea typeface="+mn-ea"/>
+                <a:cs typeface="+mn-cs"/>
+              </a:rPr>
+              <a:t>As a reference, blue, grey, and red represent monosomy, </a:t>
             </a:r>
             <a:r>
-              <a:rPr lang="en-US" dirty="0" err="1"/>
+              <a:rPr lang="en-US" sz="1200" kern="1200" dirty="0" err="1">
+                <a:solidFill>
+                  <a:schemeClr val="tx1"/>
+                </a:solidFill>
+                <a:effectLst/>
+                <a:latin typeface="+mn-lt"/>
+                <a:ea typeface="+mn-ea"/>
+                <a:cs typeface="+mn-cs"/>
+              </a:rPr>
               <a:t>disomy</a:t>
             </a:r>
             <a:r>
-              <a:rPr lang="en-US" dirty="0"/>
-              <a:t>, and trisomy, respectively. Trisomy of chromosome 18 appears in a majority of the cells tested for this embryo, and is suggestive of meiotic aneuploidy. </a:t>
-            </a:r>
-          </a:p>
-          <a:p>
-            <a:endParaRPr lang="en-US" dirty="0"/>
-          </a:p>
-          <a:p>
-            <a:r>
-              <a:rPr lang="en-US" dirty="0"/>
-              <a:t>The plot to the right depicts a more complicated case with meiotic aneuploidy of chromosome 21 along with several mitotic aneuploidies. In particular, since half or more than half of cells have </a:t>
+              <a:rPr lang="en-US" sz="1200" kern="1200" dirty="0">
+                <a:solidFill>
+                  <a:schemeClr val="tx1"/>
+                </a:solidFill>
+                <a:effectLst/>
+                <a:latin typeface="+mn-lt"/>
+                <a:ea typeface="+mn-ea"/>
+                <a:cs typeface="+mn-cs"/>
+              </a:rPr>
+              <a:t>, and trisomy, respectively. Trisomy of chromosome 18 appears in a majority of the cells tested for this </a:t>
             </a:r>
             <a:r>
-              <a:rPr lang="en-US" dirty="0" err="1"/>
-              <a:t>trisomies</a:t>
+              <a:rPr lang="en-US" sz="1200" kern="1200" dirty="0" err="1">
+                <a:solidFill>
+                  <a:schemeClr val="tx1"/>
+                </a:solidFill>
+                <a:effectLst/>
+                <a:latin typeface="+mn-lt"/>
+                <a:ea typeface="+mn-ea"/>
+                <a:cs typeface="+mn-cs"/>
+              </a:rPr>
+              <a:t>embryoand</a:t>
             </a:r>
             <a:r>
-              <a:rPr lang="en-US" dirty="0"/>
-              <a:t> of chromosomes 12 and 14, these may be indicative of chromosomal aberrations that occurred early in embryo development.</a:t>
+              <a:rPr lang="en-US" sz="1200" kern="1200" dirty="0">
+                <a:solidFill>
+                  <a:schemeClr val="tx1"/>
+                </a:solidFill>
+                <a:effectLst/>
+                <a:latin typeface="+mn-lt"/>
+                <a:ea typeface="+mn-ea"/>
+                <a:cs typeface="+mn-cs"/>
+              </a:rPr>
+              <a:t> is suggestive of meiotic aneuploidy. </a:t>
             </a:r>
           </a:p>
         </p:txBody>
@@ -1619,39 +1728,57 @@
           <a:bodyPr/>
           <a:lstStyle/>
           <a:p>
+            <a:pPr marL="0" marR="0" lvl="0" indent="0" algn="l" defTabSz="914400" rtl="0" eaLnBrk="1" fontAlgn="auto" latinLnBrk="0" hangingPunct="1">
+              <a:lnSpc>
+                <a:spcPct val="100000"/>
+              </a:lnSpc>
+              <a:spcBef>
+                <a:spcPts val="0"/>
+              </a:spcBef>
+              <a:spcAft>
+                <a:spcPts val="0"/>
+              </a:spcAft>
+              <a:buClrTx/>
+              <a:buSzTx/>
+              <a:buFontTx/>
+              <a:buNone/>
+              <a:tabLst/>
+              <a:defRPr/>
+            </a:pPr>
             <a:r>
-              <a:rPr lang="en-US" dirty="0"/>
-              <a:t>The aneuploidy test detected both simple and complex chromosomal aberrations. For the purposes of this talk, I will be showing two examples.</a:t>
-            </a:r>
-          </a:p>
-          <a:p>
-            <a:r>
-              <a:rPr lang="en-US" dirty="0"/>
-              <a:t>In this heat map, blue, grey, and red represent monosomy, </a:t>
-            </a:r>
-            <a:r>
-              <a:rPr lang="en-US" dirty="0" err="1"/>
-              <a:t>disomy</a:t>
-            </a:r>
-            <a:r>
-              <a:rPr lang="en-US" dirty="0"/>
-              <a:t>, and trisomy, respectively. Trisomy of chromosome 18 appears in a majority of the cells tested for this embryo, and is suggestive of meiotic aneuploidy. </a:t>
-            </a:r>
-          </a:p>
-          <a:p>
-            <a:endParaRPr lang="en-US" dirty="0"/>
-          </a:p>
-          <a:p>
-            <a:r>
-              <a:rPr lang="en-US" dirty="0"/>
+              <a:rPr lang="en-US" sz="1200" kern="1200" dirty="0">
+                <a:solidFill>
+                  <a:schemeClr val="tx1"/>
+                </a:solidFill>
+                <a:effectLst/>
+                <a:latin typeface="+mn-lt"/>
+                <a:ea typeface="+mn-ea"/>
+                <a:cs typeface="+mn-cs"/>
+              </a:rPr>
               <a:t>The plot to the right depicts a more complicated case with meiotic aneuploidy of chromosome 21 along with several mitotic aneuploidies. In particular, since half or more than half of cells have </a:t>
             </a:r>
             <a:r>
-              <a:rPr lang="en-US" dirty="0" err="1"/>
+              <a:rPr lang="en-US" sz="1200" kern="1200" dirty="0" err="1">
+                <a:solidFill>
+                  <a:schemeClr val="tx1"/>
+                </a:solidFill>
+                <a:effectLst/>
+                <a:latin typeface="+mn-lt"/>
+                <a:ea typeface="+mn-ea"/>
+                <a:cs typeface="+mn-cs"/>
+              </a:rPr>
               <a:t>trisomies</a:t>
             </a:r>
             <a:r>
-              <a:rPr lang="en-US" dirty="0"/>
+              <a:rPr lang="en-US" sz="1200" kern="1200" dirty="0">
+                <a:solidFill>
+                  <a:schemeClr val="tx1"/>
+                </a:solidFill>
+                <a:effectLst/>
+                <a:latin typeface="+mn-lt"/>
+                <a:ea typeface="+mn-ea"/>
+                <a:cs typeface="+mn-cs"/>
+              </a:rPr>
               <a:t> of chromosomes 12 and 14, these may be indicative of chromosomal aberrations that occurred early in embryo development.</a:t>
             </a:r>
           </a:p>
@@ -1736,6 +1863,41 @@
         <p:txBody>
           <a:bodyPr/>
           <a:lstStyle/>
+          <a:p>
+            <a:pPr marL="0" marR="0" lvl="0" indent="0" algn="l" defTabSz="914400" rtl="0" eaLnBrk="1" fontAlgn="auto" latinLnBrk="0" hangingPunct="1">
+              <a:lnSpc>
+                <a:spcPct val="100000"/>
+              </a:lnSpc>
+              <a:spcBef>
+                <a:spcPts val="0"/>
+              </a:spcBef>
+              <a:spcAft>
+                <a:spcPts val="0"/>
+              </a:spcAft>
+              <a:buClrTx/>
+              <a:buSzTx/>
+              <a:buFontTx/>
+              <a:buNone/>
+              <a:tabLst/>
+              <a:defRPr/>
+            </a:pPr>
+            <a:r>
+              <a:rPr lang="en-US" dirty="0"/>
+              <a:t>We then looked into the </a:t>
+            </a:r>
+            <a:r>
+              <a:rPr lang="en-US" sz="1200" kern="1200" dirty="0">
+                <a:solidFill>
+                  <a:schemeClr val="tx1"/>
+                </a:solidFill>
+                <a:effectLst/>
+                <a:latin typeface="+mn-lt"/>
+                <a:ea typeface="+mn-ea"/>
+                <a:cs typeface="+mn-cs"/>
+              </a:rPr>
+              <a:t>percentage of embryos with aneuploid cells and observed that the vast majority of embryos across all developmental stages have aneuploid cells.</a:t>
+            </a:r>
+          </a:p>
           <a:p>
             <a:endParaRPr lang="en-US" dirty="0"/>
           </a:p>
@@ -1835,17 +1997,6 @@
             </a:r>
           </a:p>
           <a:p>
-            <a:endParaRPr lang="en-US" sz="1200" kern="1200" dirty="0">
-              <a:solidFill>
-                <a:schemeClr val="tx1"/>
-              </a:solidFill>
-              <a:effectLst/>
-              <a:latin typeface="+mn-lt"/>
-              <a:ea typeface="+mn-ea"/>
-              <a:cs typeface="+mn-cs"/>
-            </a:endParaRPr>
-          </a:p>
-          <a:p>
             <a:r>
               <a:rPr lang="en-US" sz="1200" kern="1200" dirty="0">
                 <a:solidFill>
@@ -1856,7 +2007,7 @@
                 <a:ea typeface="+mn-ea"/>
                 <a:cs typeface="+mn-cs"/>
               </a:rPr>
-              <a:t>Meiotic aneuploidy, which occurs mostly during oogenesis, affects all embryonic cells. Mitotic aneuploidies are also a common occurrence, and appear after fertilization. These result in mosaic embryos with different cells having different chromosomal signatures.</a:t>
+              <a:t>Meiotic aneuploidy, which occurs mostly during oogenesis, affects all embryonic cells. Mitotic aneuploidies are also a common occurrence but appear after fertilization. These result in mosaic embryos with different cells having different chromosomal signatures.</a:t>
             </a:r>
           </a:p>
           <a:p>
@@ -1870,19 +2021,8 @@
                 <a:ea typeface="+mn-ea"/>
                 <a:cs typeface="+mn-cs"/>
               </a:rPr>
-              <a:t>Whereas meiotic aneuploidies are well considered in the field, mitotic aneuploidies are more controversial such that the existence of mitotic aneuploidies and thereby mosaicism is widely debated. </a:t>
+              <a:t>Whereas meiotic aneuploidies are well considered in the fertility field, mitotic aneuploidies are more controversial in that the existence of mitotic aneuploidies, and thereby mosaicism, is widely debated. </a:t>
             </a:r>
-          </a:p>
-          <a:p>
-            <a:endParaRPr lang="en-US" sz="1200" kern="1200" dirty="0">
-              <a:solidFill>
-                <a:schemeClr val="tx1"/>
-              </a:solidFill>
-              <a:effectLst/>
-              <a:latin typeface="+mn-lt"/>
-              <a:ea typeface="+mn-ea"/>
-              <a:cs typeface="+mn-cs"/>
-            </a:endParaRPr>
           </a:p>
           <a:p>
             <a:r>
@@ -1895,7 +2035,7 @@
                 <a:ea typeface="+mn-ea"/>
                 <a:cs typeface="+mn-cs"/>
               </a:rPr>
-              <a:t>Because of the importance genetic integrity, screening against aneuploidy in pre-implantation embryos has become a common procedure in in vitro fertilization.</a:t>
+              <a:t>Because of the importance of genetic integrity in human conception and development, screening against aneuploidy in pre-implantation embryos has become a common procedure during in vitro fertilization.</a:t>
             </a:r>
           </a:p>
         </p:txBody>
@@ -1979,6 +2119,41 @@
         <p:txBody>
           <a:bodyPr/>
           <a:lstStyle/>
+          <a:p>
+            <a:pPr marL="0" marR="0" lvl="0" indent="0" algn="l" defTabSz="914400" rtl="0" eaLnBrk="1" fontAlgn="auto" latinLnBrk="0" hangingPunct="1">
+              <a:lnSpc>
+                <a:spcPct val="100000"/>
+              </a:lnSpc>
+              <a:spcBef>
+                <a:spcPts val="0"/>
+              </a:spcBef>
+              <a:spcAft>
+                <a:spcPts val="0"/>
+              </a:spcAft>
+              <a:buClrTx/>
+              <a:buSzTx/>
+              <a:buFontTx/>
+              <a:buNone/>
+              <a:tabLst/>
+              <a:defRPr/>
+            </a:pPr>
+            <a:r>
+              <a:rPr lang="en-US" dirty="0"/>
+              <a:t>Asking a slightly different question, namely the </a:t>
+            </a:r>
+            <a:r>
+              <a:rPr lang="en-US" sz="1200" kern="1200" dirty="0">
+                <a:solidFill>
+                  <a:schemeClr val="tx1"/>
+                </a:solidFill>
+                <a:effectLst/>
+                <a:latin typeface="+mn-lt"/>
+                <a:ea typeface="+mn-ea"/>
+                <a:cs typeface="+mn-cs"/>
+              </a:rPr>
+              <a:t>percentage of aneuploid cells per embryo, we observed a wide range across all developmental stages.</a:t>
+            </a:r>
+          </a:p>
           <a:p>
             <a:endParaRPr lang="en-US" dirty="0"/>
           </a:p>
@@ -2064,15 +2239,34 @@
           <a:bodyPr/>
           <a:lstStyle/>
           <a:p>
+            <a:pPr marL="0" marR="0" lvl="0" indent="0" algn="l" defTabSz="914400" rtl="0" eaLnBrk="1" fontAlgn="auto" latinLnBrk="0" hangingPunct="1">
+              <a:lnSpc>
+                <a:spcPct val="100000"/>
+              </a:lnSpc>
+              <a:spcBef>
+                <a:spcPts val="0"/>
+              </a:spcBef>
+              <a:spcAft>
+                <a:spcPts val="0"/>
+              </a:spcAft>
+              <a:buClrTx/>
+              <a:buSzTx/>
+              <a:buFontTx/>
+              <a:buNone/>
+              <a:tabLst/>
+              <a:defRPr/>
+            </a:pPr>
             <a:r>
-              <a:rPr lang="en-US" dirty="0"/>
-              <a:t>Lastly, I used a generalized linear mixed model approach with random effects of embryo to test whether aneuploid cells are disproportionately tolerated in the trophectoderm. </a:t>
-            </a:r>
-          </a:p>
-          <a:p>
-            <a:r>
-              <a:rPr lang="en-US" dirty="0"/>
-              <a:t>In our data, aneuploid cells do not appear to be disproportionately tolerated in the trophectoderm, but given our small sample size, it is possible that this was not adequately explored. Nonetheless, this is the first quantitative attempt to answer this question that has confounded the field based on scRNA-seq data.</a:t>
+              <a:rPr lang="en-US" sz="1200" kern="1200" dirty="0">
+                <a:solidFill>
+                  <a:schemeClr val="tx1"/>
+                </a:solidFill>
+                <a:effectLst/>
+                <a:latin typeface="+mn-lt"/>
+                <a:ea typeface="+mn-ea"/>
+                <a:cs typeface="+mn-cs"/>
+              </a:rPr>
+              <a:t>Lastly, we tested whether aneuploid cells are disproportionately tolerated in the trophectoderm, a long-standing question in the fertility field.</a:t>
             </a:r>
           </a:p>
         </p:txBody>
@@ -2157,15 +2351,34 @@
           <a:bodyPr/>
           <a:lstStyle/>
           <a:p>
+            <a:pPr marL="0" marR="0" lvl="0" indent="0" algn="l" defTabSz="914400" rtl="0" eaLnBrk="1" fontAlgn="auto" latinLnBrk="0" hangingPunct="1">
+              <a:lnSpc>
+                <a:spcPct val="100000"/>
+              </a:lnSpc>
+              <a:spcBef>
+                <a:spcPts val="0"/>
+              </a:spcBef>
+              <a:spcAft>
+                <a:spcPts val="0"/>
+              </a:spcAft>
+              <a:buClrTx/>
+              <a:buSzTx/>
+              <a:buFontTx/>
+              <a:buNone/>
+              <a:tabLst/>
+              <a:defRPr/>
+            </a:pPr>
             <a:r>
-              <a:rPr lang="en-US" dirty="0"/>
-              <a:t>Lastly, I used a generalized linear mixed model approach with random effects of embryo to test whether aneuploid cells are disproportionately tolerated in the trophectoderm. </a:t>
-            </a:r>
-          </a:p>
-          <a:p>
-            <a:r>
-              <a:rPr lang="en-US" dirty="0"/>
-              <a:t>In our data, aneuploid cells do not appear to be disproportionately tolerated in the trophectoderm, but given our small sample size, it is possible that this was not adequately explored. Nonetheless, this is the first quantitative attempt to answer this question that has confounded the field based on scRNA-seq data.</a:t>
+              <a:rPr lang="en-US" sz="1200" kern="1200" dirty="0">
+                <a:solidFill>
+                  <a:schemeClr val="tx1"/>
+                </a:solidFill>
+                <a:effectLst/>
+                <a:latin typeface="+mn-lt"/>
+                <a:ea typeface="+mn-ea"/>
+                <a:cs typeface="+mn-cs"/>
+              </a:rPr>
+              <a:t>I used a generalized linear mixed model approach with random effects of embryo and in our data, aneuploid cells do not appear to be disproportionately tolerated in the trophectoderm. Given our small sample size, it is possible that this was not adequately explored. Nonetheless, this is the first quantitative attempt to answer this question that has confounded the field.</a:t>
             </a:r>
           </a:p>
         </p:txBody>
@@ -2251,25 +2464,43 @@
           <a:lstStyle/>
           <a:p>
             <a:r>
-              <a:rPr lang="en-US" dirty="0"/>
+              <a:rPr lang="en-US" sz="1200" kern="1200" dirty="0">
+                <a:solidFill>
+                  <a:schemeClr val="tx1"/>
+                </a:solidFill>
+                <a:effectLst/>
+                <a:latin typeface="+mn-lt"/>
+                <a:ea typeface="+mn-ea"/>
+                <a:cs typeface="+mn-cs"/>
+              </a:rPr>
               <a:t>In conclusion, this computational approach applied at the single-cell level to detect aneuploidies appears to work.</a:t>
             </a:r>
           </a:p>
           <a:p>
-            <a:endParaRPr lang="en-US" dirty="0"/>
-          </a:p>
-          <a:p>
             <a:r>
-              <a:rPr lang="en-US" dirty="0"/>
+              <a:rPr lang="en-US" sz="1200" kern="1200" dirty="0">
+                <a:solidFill>
+                  <a:schemeClr val="tx1"/>
+                </a:solidFill>
+                <a:effectLst/>
+                <a:latin typeface="+mn-lt"/>
+                <a:ea typeface="+mn-ea"/>
+                <a:cs typeface="+mn-cs"/>
+              </a:rPr>
               <a:t>Our data suggest that every embryo exhibits mosaicism of some sort, and that is may perhaps be a part of a normal phenotype. This suggestion would dramatically impact the fertility field as the two-classification system, aneuploid or not, must be modified to include mosaicism.</a:t>
             </a:r>
           </a:p>
           <a:p>
-            <a:endParaRPr lang="en-US" dirty="0"/>
-          </a:p>
-          <a:p>
             <a:r>
-              <a:rPr lang="en-US" dirty="0"/>
+              <a:rPr lang="en-US" sz="1200" kern="1200" dirty="0">
+                <a:solidFill>
+                  <a:schemeClr val="tx1"/>
+                </a:solidFill>
+                <a:effectLst/>
+                <a:latin typeface="+mn-lt"/>
+                <a:ea typeface="+mn-ea"/>
+                <a:cs typeface="+mn-cs"/>
+              </a:rPr>
               <a:t>In addition, the single-cell approach could be used to determine that trophectoderm cells do not disproportionately affect aneuploidy, implying that a biopsy of such cells may be representative of the embryo.</a:t>
             </a:r>
           </a:p>
@@ -2356,24 +2587,45 @@
           <a:lstStyle/>
           <a:p>
             <a:r>
-              <a:rPr lang="en-US" dirty="0"/>
-              <a:t>This work was based purely on gene expression data , but more information can be gained by incorporating genotype data. This would allow us to validate findings from scRNA-seq data, and in the long term can be incorporated into a model that may better detect aneuploidies.</a:t>
+              <a:rPr lang="en-US" sz="1200" kern="1200" dirty="0">
+                <a:solidFill>
+                  <a:schemeClr val="tx1"/>
+                </a:solidFill>
+                <a:effectLst/>
+                <a:latin typeface="+mn-lt"/>
+                <a:ea typeface="+mn-ea"/>
+                <a:cs typeface="+mn-cs"/>
+              </a:rPr>
+              <a:t>An immediate question of interest is to simulate the process of pre-implantation genetic screening by randomly sampling 5-10 cells from an embryo and asking at what frequency the true aneuploidy status of the embryo is detected.</a:t>
             </a:r>
           </a:p>
           <a:p>
-            <a:endParaRPr lang="en-US" dirty="0"/>
+            <a:r>
+              <a:rPr lang="en-US" sz="1200" kern="1200" dirty="0">
+                <a:solidFill>
+                  <a:schemeClr val="tx1"/>
+                </a:solidFill>
+                <a:effectLst/>
+                <a:latin typeface="+mn-lt"/>
+                <a:ea typeface="+mn-ea"/>
+                <a:cs typeface="+mn-cs"/>
+              </a:rPr>
+              <a:t>Future work involves improving the method by which aneuploidies are detected. This work was based purely on gene expression data and summary statistics, but more information can be gained by incorporating genotype data. This would allow us to validate findings from scRNA-seq, and in the long term can be incorporated into a model that may better detect aneuploidies.</a:t>
+            </a:r>
           </a:p>
           <a:p>
             <a:r>
-              <a:rPr lang="en-US" dirty="0"/>
+              <a:rPr lang="en-US" sz="1200" kern="1200" dirty="0">
+                <a:solidFill>
+                  <a:schemeClr val="tx1"/>
+                </a:solidFill>
+                <a:effectLst/>
+                <a:latin typeface="+mn-lt"/>
+                <a:ea typeface="+mn-ea"/>
+                <a:cs typeface="+mn-cs"/>
+              </a:rPr>
               <a:t>In addition, aneuploidy detection may be extended to additional scRNA-seq datasets.</a:t>
             </a:r>
-          </a:p>
-          <a:p>
-            <a:endParaRPr lang="en-US" dirty="0"/>
-          </a:p>
-          <a:p>
-            <a:endParaRPr lang="en-US" dirty="0"/>
           </a:p>
         </p:txBody>
       </p:sp>
@@ -2625,18 +2877,34 @@
           <a:bodyPr/>
           <a:lstStyle/>
           <a:p>
+            <a:pPr marL="0" marR="0" lvl="0" indent="0" algn="l" defTabSz="914400" rtl="0" eaLnBrk="1" fontAlgn="auto" latinLnBrk="0" hangingPunct="1">
+              <a:lnSpc>
+                <a:spcPct val="100000"/>
+              </a:lnSpc>
+              <a:spcBef>
+                <a:spcPts val="0"/>
+              </a:spcBef>
+              <a:spcAft>
+                <a:spcPts val="0"/>
+              </a:spcAft>
+              <a:buClrTx/>
+              <a:buSzTx/>
+              <a:buFontTx/>
+              <a:buNone/>
+              <a:tabLst/>
+              <a:defRPr/>
+            </a:pPr>
             <a:r>
-              <a:rPr lang="en-US" dirty="0"/>
-              <a:t>More recently, day-5 multi-cell biopsies of the outer layer of the blastocyst, the trophectoderm, is performed. Since only a single biopsy is taken of a specific cell lineage, much controversy exists in the field. </a:t>
-            </a:r>
-          </a:p>
-          <a:p>
-            <a:endParaRPr lang="en-US" dirty="0"/>
-          </a:p>
-          <a:p>
-            <a:r>
-              <a:rPr lang="en-US" dirty="0"/>
-              <a:t> Criticism exists as to whether such a biopsy is representative of the actual embryo. The true aneuploidy and mosaicism of an embryo may be missed during a biopsy simply due to the fact that such cells were not tested.  In addition, since embryos were classified into two distinct stages for a very long time, there is widespread disagreement as to whether mosaicism even is a real phenomenon. Since much of the controversy stems from limited technical approaches in which a single biopsy is taken, we leveraged the single-cell approach to look into questions that confound the field. To date, one such data set exists, and it is RNA-seq data.</a:t>
+              <a:rPr lang="en-US" sz="1200" kern="1200" dirty="0">
+                <a:solidFill>
+                  <a:schemeClr val="tx1"/>
+                </a:solidFill>
+                <a:effectLst/>
+                <a:latin typeface="+mn-lt"/>
+                <a:ea typeface="+mn-ea"/>
+                <a:cs typeface="+mn-cs"/>
+              </a:rPr>
+              <a:t>Currently, day-5 multi-cell biopsies of the outer layer of the blastocyst, the trophectoderm as depicted in the image to the right, is performed. Since only a single biopsy is taken of a specific cell lineage, it is debated whether such a biopsy is representative of the embryo proper, which develops from the inner cell mass. As shown in the 5 embryos with varying aneuploidy patterns, the true aneuploidy and mosaicism of an embryo may be missed during a biopsy simply due to the fact that such cells were not tested to begin with.  In addition, since embryos are currently classified into two distinct stages, either aneuploid or euploid, there is widespread disagreement as to whether mosaicism is even a real phenomenon. Since much of the controversy stems from limited technical approaches in which a single biopsy is taken, we leveraged the single-cell approach to look into questions that confound the field. To date, one such data set exists, and it is RNA-seq data.</a:t>
             </a:r>
           </a:p>
         </p:txBody>
@@ -2722,19 +2990,43 @@
           <a:lstStyle/>
           <a:p>
             <a:r>
-              <a:rPr lang="en-US" dirty="0"/>
+              <a:rPr lang="en-US" sz="1200" kern="1200" dirty="0">
+                <a:solidFill>
+                  <a:schemeClr val="tx1"/>
+                </a:solidFill>
+                <a:effectLst/>
+                <a:latin typeface="+mn-lt"/>
+                <a:ea typeface="+mn-ea"/>
+                <a:cs typeface="+mn-cs"/>
+              </a:rPr>
               <a:t>In my rotation, we asked whether we can detect mosaic aneuploidies in scRNA-seq data, and if so,</a:t>
             </a:r>
           </a:p>
           <a:p>
             <a:r>
-              <a:rPr lang="en-US" dirty="0"/>
+              <a:rPr lang="en-US" sz="1200" kern="1200" dirty="0">
+                <a:solidFill>
+                  <a:schemeClr val="tx1"/>
+                </a:solidFill>
+                <a:effectLst/>
+                <a:latin typeface="+mn-lt"/>
+                <a:ea typeface="+mn-ea"/>
+                <a:cs typeface="+mn-cs"/>
+              </a:rPr>
               <a:t>… what is the true incidence of chromosomal mosaicism? And </a:t>
             </a:r>
           </a:p>
           <a:p>
             <a:r>
-              <a:rPr lang="en-US" dirty="0"/>
+              <a:rPr lang="en-US" sz="1200" kern="1200" dirty="0">
+                <a:solidFill>
+                  <a:schemeClr val="tx1"/>
+                </a:solidFill>
+                <a:effectLst/>
+                <a:latin typeface="+mn-lt"/>
+                <a:ea typeface="+mn-ea"/>
+                <a:cs typeface="+mn-cs"/>
+              </a:rPr>
               <a:t>…are aneuploid cells disproportionately allocated to the trophectoderm?</a:t>
             </a:r>
           </a:p>
@@ -2820,9 +3112,106 @@
           <a:bodyPr/>
           <a:lstStyle/>
           <a:p>
+            <a:pPr marL="0" marR="0" lvl="0" indent="0" algn="l" defTabSz="914400" rtl="0" eaLnBrk="1" fontAlgn="auto" latinLnBrk="0" hangingPunct="1">
+              <a:lnSpc>
+                <a:spcPct val="100000"/>
+              </a:lnSpc>
+              <a:spcBef>
+                <a:spcPts val="0"/>
+              </a:spcBef>
+              <a:spcAft>
+                <a:spcPts val="0"/>
+              </a:spcAft>
+              <a:buClrTx/>
+              <a:buSzTx/>
+              <a:buFontTx/>
+              <a:buNone/>
+              <a:tabLst/>
+              <a:defRPr/>
+            </a:pPr>
             <a:r>
-              <a:rPr lang="en-US" dirty="0"/>
-              <a:t>We used an aneuploidy detection tool that was recently published and tested on several datasets. In brief, it is important to stratify the dataset and for a defined group of cells, calculate a score for each chromosome-cell pair. Scores are converted into p-values to detect significant deviations that can be interpreted as aneuploidies.</a:t>
+              <a:rPr lang="en-US" sz="1200" kern="1200" dirty="0">
+                <a:solidFill>
+                  <a:schemeClr val="tx1"/>
+                </a:solidFill>
+                <a:effectLst/>
+                <a:latin typeface="+mn-lt"/>
+                <a:ea typeface="+mn-ea"/>
+                <a:cs typeface="+mn-cs"/>
+              </a:rPr>
+              <a:t>For the analysis, we used an aneuploidy detection tool that was recently published and tested on several datasets. The </a:t>
+            </a:r>
+            <a:r>
+              <a:rPr lang="en-US" sz="1200" kern="1200" dirty="0" err="1">
+                <a:solidFill>
+                  <a:schemeClr val="tx1"/>
+                </a:solidFill>
+                <a:effectLst/>
+                <a:latin typeface="+mn-lt"/>
+                <a:ea typeface="+mn-ea"/>
+                <a:cs typeface="+mn-cs"/>
+              </a:rPr>
+              <a:t>Rpackage</a:t>
+            </a:r>
+            <a:r>
+              <a:rPr lang="en-US" sz="1200" kern="1200" dirty="0">
+                <a:solidFill>
+                  <a:schemeClr val="tx1"/>
+                </a:solidFill>
+                <a:effectLst/>
+                <a:latin typeface="+mn-lt"/>
+                <a:ea typeface="+mn-ea"/>
+                <a:cs typeface="+mn-cs"/>
+              </a:rPr>
+              <a:t> was developed by the </a:t>
+            </a:r>
+            <a:r>
+              <a:rPr lang="en-US" sz="1200" kern="1200" dirty="0" err="1">
+                <a:solidFill>
+                  <a:schemeClr val="tx1"/>
+                </a:solidFill>
+                <a:effectLst/>
+                <a:latin typeface="+mn-lt"/>
+                <a:ea typeface="+mn-ea"/>
+                <a:cs typeface="+mn-cs"/>
+              </a:rPr>
+              <a:t>Marioni</a:t>
+            </a:r>
+            <a:r>
+              <a:rPr lang="en-US" sz="1200" kern="1200" dirty="0">
+                <a:solidFill>
+                  <a:schemeClr val="tx1"/>
+                </a:solidFill>
+                <a:effectLst/>
+                <a:latin typeface="+mn-lt"/>
+                <a:ea typeface="+mn-ea"/>
+                <a:cs typeface="+mn-cs"/>
+              </a:rPr>
+              <a:t> lab in the European Bioinformatics Institute within the European Molecular Biology Laboratory and is well documented on </a:t>
+            </a:r>
+            <a:r>
+              <a:rPr lang="en-US" sz="1200" kern="1200" dirty="0" err="1">
+                <a:solidFill>
+                  <a:schemeClr val="tx1"/>
+                </a:solidFill>
+                <a:effectLst/>
+                <a:latin typeface="+mn-lt"/>
+                <a:ea typeface="+mn-ea"/>
+                <a:cs typeface="+mn-cs"/>
+              </a:rPr>
+              <a:t>Github</a:t>
+            </a:r>
+            <a:r>
+              <a:rPr lang="en-US" sz="1200" kern="1200" dirty="0">
+                <a:solidFill>
+                  <a:schemeClr val="tx1"/>
+                </a:solidFill>
+                <a:effectLst/>
+                <a:latin typeface="+mn-lt"/>
+                <a:ea typeface="+mn-ea"/>
+                <a:cs typeface="+mn-cs"/>
+              </a:rPr>
+              <a:t>. </a:t>
             </a:r>
           </a:p>
         </p:txBody>
@@ -2907,9 +3296,34 @@
           <a:bodyPr/>
           <a:lstStyle/>
           <a:p>
+            <a:pPr marL="0" marR="0" lvl="0" indent="0" algn="l" defTabSz="914400" rtl="0" eaLnBrk="1" fontAlgn="auto" latinLnBrk="0" hangingPunct="1">
+              <a:lnSpc>
+                <a:spcPct val="100000"/>
+              </a:lnSpc>
+              <a:spcBef>
+                <a:spcPts val="0"/>
+              </a:spcBef>
+              <a:spcAft>
+                <a:spcPts val="0"/>
+              </a:spcAft>
+              <a:buClrTx/>
+              <a:buSzTx/>
+              <a:buFontTx/>
+              <a:buNone/>
+              <a:tabLst/>
+              <a:defRPr/>
+            </a:pPr>
             <a:r>
-              <a:rPr lang="en-US" dirty="0"/>
-              <a:t>We used an aneuploidy detection tool that was recently published and tested on several datasets. In brief, it is important to stratify the dataset and for a defined group of cells, calculate a score for each chromosome-cell pair. Scores are converted into p-values to detect significant deviations that can be interpreted as aneuploidies.</a:t>
+              <a:rPr lang="en-US" sz="1200" kern="1200" dirty="0">
+                <a:solidFill>
+                  <a:schemeClr val="tx1"/>
+                </a:solidFill>
+                <a:effectLst/>
+                <a:latin typeface="+mn-lt"/>
+                <a:ea typeface="+mn-ea"/>
+                <a:cs typeface="+mn-cs"/>
+              </a:rPr>
+              <a:t>Overall, this method works by statistically identifying, separately for each cell, chromosomes with genes that show consistently deviant expression compared to the same chromosome in other cells. It is important to initially stratify the dataset and consider only highly expressed genes. For a defined group of cells, a score for each chromosome-cell pair is calculated. These scores are then converted into p-values to detect significant deviations that can be interpreted as aneuploidies.</a:t>
             </a:r>
           </a:p>
         </p:txBody>
@@ -2994,9 +3408,34 @@
           <a:bodyPr/>
           <a:lstStyle/>
           <a:p>
+            <a:pPr marL="0" marR="0" lvl="0" indent="0" algn="l" defTabSz="914400" rtl="0" eaLnBrk="1" fontAlgn="auto" latinLnBrk="0" hangingPunct="1">
+              <a:lnSpc>
+                <a:spcPct val="100000"/>
+              </a:lnSpc>
+              <a:spcBef>
+                <a:spcPts val="0"/>
+              </a:spcBef>
+              <a:spcAft>
+                <a:spcPts val="0"/>
+              </a:spcAft>
+              <a:buClrTx/>
+              <a:buSzTx/>
+              <a:buFontTx/>
+              <a:buNone/>
+              <a:tabLst/>
+              <a:defRPr/>
+            </a:pPr>
             <a:r>
-              <a:rPr lang="en-US" dirty="0"/>
-              <a:t>We used an aneuploidy detection tool that was recently published and tested on several datasets. In brief, it is important to stratify the dataset and for a defined group of cells, calculate a score for each chromosome-cell pair. Scores are converted into p-values to detect significant deviations that can be interpreted as aneuploidies.</a:t>
+              <a:rPr lang="en-US" sz="1200" kern="1200" dirty="0">
+                <a:solidFill>
+                  <a:schemeClr val="tx1"/>
+                </a:solidFill>
+                <a:effectLst/>
+                <a:latin typeface="+mn-lt"/>
+                <a:ea typeface="+mn-ea"/>
+                <a:cs typeface="+mn-cs"/>
+              </a:rPr>
+              <a:t>To assess the method’s performance, it was applied to 3 genotype-and-transcriptome datasets. In the first dataset, the method performed relatively well with a sensitivity of 78% and FDR of 4.9%. In two additional datasets, the method performed poorly, as the model is confounded by high gene expression variance.</a:t>
             </a:r>
           </a:p>
         </p:txBody>
@@ -3081,16 +3520,57 @@
           <a:bodyPr/>
           <a:lstStyle/>
           <a:p>
+            <a:pPr marL="0" marR="0" lvl="0" indent="0" algn="l" defTabSz="914400" rtl="0" eaLnBrk="1" fontAlgn="auto" latinLnBrk="0" hangingPunct="1">
+              <a:lnSpc>
+                <a:spcPct val="100000"/>
+              </a:lnSpc>
+              <a:spcBef>
+                <a:spcPts val="0"/>
+              </a:spcBef>
+              <a:spcAft>
+                <a:spcPts val="0"/>
+              </a:spcAft>
+              <a:buClrTx/>
+              <a:buSzTx/>
+              <a:buFontTx/>
+              <a:buNone/>
+              <a:tabLst/>
+              <a:defRPr/>
+            </a:pPr>
             <a:r>
-              <a:rPr lang="en-US" dirty="0"/>
-              <a:t>The scRNA-seq data I worked with contains 88 embryos comprising 1,529 cells. Cell lineages were inferred in another publication from gene expression profiles </a:t>
+              <a:rPr lang="en-US" sz="1200" kern="1200" dirty="0">
+                <a:solidFill>
+                  <a:schemeClr val="tx1"/>
+                </a:solidFill>
+                <a:effectLst/>
+                <a:latin typeface="+mn-lt"/>
+                <a:ea typeface="+mn-ea"/>
+                <a:cs typeface="+mn-cs"/>
+              </a:rPr>
+              <a:t>The scRNA-seq data I worked with contains 88 embryos comprising almost 1,500cells. Cell lineages were inferred in another publication from gene expression profiles and </a:t>
             </a:r>
             <a:r>
-              <a:rPr lang="en-US" dirty="0" err="1"/>
+              <a:rPr lang="en-US" sz="1200" kern="1200" dirty="0" err="1">
+                <a:solidFill>
+                  <a:schemeClr val="tx1"/>
+                </a:solidFill>
+                <a:effectLst/>
+                <a:latin typeface="+mn-lt"/>
+                <a:ea typeface="+mn-ea"/>
+                <a:cs typeface="+mn-cs"/>
+              </a:rPr>
               <a:t>tSNE</a:t>
             </a:r>
             <a:r>
-              <a:rPr lang="en-US" dirty="0"/>
+              <a:rPr lang="en-US" sz="1200" kern="1200" dirty="0">
+                <a:solidFill>
+                  <a:schemeClr val="tx1"/>
+                </a:solidFill>
+                <a:effectLst/>
+                <a:latin typeface="+mn-lt"/>
+                <a:ea typeface="+mn-ea"/>
+                <a:cs typeface="+mn-cs"/>
+              </a:rPr>
               <a:t> plots.</a:t>
             </a:r>
           </a:p>
@@ -3176,9 +3656,34 @@
           <a:bodyPr/>
           <a:lstStyle/>
           <a:p>
+            <a:pPr marL="0" marR="0" lvl="0" indent="0" algn="l" defTabSz="914400" rtl="0" eaLnBrk="1" fontAlgn="auto" latinLnBrk="0" hangingPunct="1">
+              <a:lnSpc>
+                <a:spcPct val="100000"/>
+              </a:lnSpc>
+              <a:spcBef>
+                <a:spcPts val="0"/>
+              </a:spcBef>
+              <a:spcAft>
+                <a:spcPts val="0"/>
+              </a:spcAft>
+              <a:buClrTx/>
+              <a:buSzTx/>
+              <a:buFontTx/>
+              <a:buNone/>
+              <a:tabLst/>
+              <a:defRPr/>
+            </a:pPr>
             <a:r>
-              <a:rPr lang="en-US" dirty="0"/>
-              <a:t>I validated the aneuploidy detection software on two datasets, one that performed well and one that performed poorly due to high variability in gene expression. On the right, I plotted our scRNA-seq across all embryonic stages and cell lineages. The data look like the one that performed well, so we predicted that our analysis should work well.</a:t>
+              <a:rPr lang="en-US" sz="1200" kern="1200" dirty="0">
+                <a:solidFill>
+                  <a:schemeClr val="tx1"/>
+                </a:solidFill>
+                <a:effectLst/>
+                <a:latin typeface="+mn-lt"/>
+                <a:ea typeface="+mn-ea"/>
+                <a:cs typeface="+mn-cs"/>
+              </a:rPr>
+              <a:t>I validated the aneuploidy detection software on two datasets, one that performed well and one that performed poorly due to high variability in gene expression. </a:t>
             </a:r>
           </a:p>
         </p:txBody>
@@ -3269,7 +3774,7 @@
           <a:p>
             <a:fld id="{BBB28AC4-3ACF-FA45-B965-A0016D3F4114}" type="datetimeFigureOut">
               <a:rPr lang="en-US" smtClean="0"/>
-              <a:t>1/23/19</a:t>
+              <a:t>1/25/19</a:t>
             </a:fld>
             <a:endParaRPr lang="en-US"/>
           </a:p>
@@ -3555,7 +4060,7 @@
           <a:p>
             <a:fld id="{BBB28AC4-3ACF-FA45-B965-A0016D3F4114}" type="datetimeFigureOut">
               <a:rPr lang="en-US" smtClean="0"/>
-              <a:t>1/23/19</a:t>
+              <a:t>1/25/19</a:t>
             </a:fld>
             <a:endParaRPr lang="en-US"/>
           </a:p>
@@ -3775,7 +4280,7 @@
           <a:p>
             <a:fld id="{E02176D3-47A1-8F4B-81FF-0B4875DABDA6}" type="datetimeFigureOut">
               <a:rPr lang="en-US" smtClean="0"/>
-              <a:t>1/23/19</a:t>
+              <a:t>1/25/19</a:t>
             </a:fld>
             <a:endParaRPr lang="en-US"/>
           </a:p>
@@ -3902,7 +4407,7 @@
           <a:p>
             <a:fld id="{BBB28AC4-3ACF-FA45-B965-A0016D3F4114}" type="datetimeFigureOut">
               <a:rPr lang="en-US" smtClean="0"/>
-              <a:t>1/23/19</a:t>
+              <a:t>1/25/19</a:t>
             </a:fld>
             <a:endParaRPr lang="en-US"/>
           </a:p>
